--- a/docs/Präsentation/PowerPoint-IMS_v4_final_ceo_ai_complete_gti_260320211050-35_xml_präsi_docx.pptx
+++ b/docs/Präsentation/PowerPoint-IMS_v4_final_ceo_ai_complete_gti_260320211050-35_xml_präsi_docx.pptx
@@ -222,7 +222,7 @@
           <a:p>
             <a:fld id="{37D604C2-7A26-49CF-8C52-BD1B6A840E6D}" type="datetimeFigureOut">
               <a:rPr lang="de-DE" smtClean="0"/>
-              <a:t>26.03.2021</a:t>
+              <a:t>15.04.2021</a:t>
             </a:fld>
             <a:endParaRPr lang="de-DE"/>
           </a:p>
@@ -618,7 +618,7 @@
           <a:p>
             <a:fld id="{59C10B28-1F5C-4873-A3EE-C7F56D95F1DD}" type="datetime1">
               <a:rPr lang="de-DE" smtClean="0"/>
-              <a:t>26.03.2021</a:t>
+              <a:t>15.04.2021</a:t>
             </a:fld>
             <a:endParaRPr lang="de-DE"/>
           </a:p>
@@ -786,7 +786,7 @@
           <a:p>
             <a:fld id="{5452C4AA-91F2-4E5B-B1B7-252D8780B96B}" type="datetime1">
               <a:rPr lang="de-DE" smtClean="0"/>
-              <a:t>26.03.2021</a:t>
+              <a:t>15.04.2021</a:t>
             </a:fld>
             <a:endParaRPr lang="de-DE"/>
           </a:p>
@@ -964,7 +964,7 @@
           <a:p>
             <a:fld id="{91D568E7-25CA-4684-8F8E-9D61E609EA06}" type="datetime1">
               <a:rPr lang="de-DE" smtClean="0"/>
-              <a:t>26.03.2021</a:t>
+              <a:t>15.04.2021</a:t>
             </a:fld>
             <a:endParaRPr lang="de-DE"/>
           </a:p>
@@ -1132,7 +1132,7 @@
           <a:p>
             <a:fld id="{DDB15510-19EA-4EBA-97AB-A56358C24AA4}" type="datetime1">
               <a:rPr lang="de-DE" smtClean="0"/>
-              <a:t>26.03.2021</a:t>
+              <a:t>15.04.2021</a:t>
             </a:fld>
             <a:endParaRPr lang="de-DE"/>
           </a:p>
@@ -1377,7 +1377,7 @@
           <a:p>
             <a:fld id="{6FC7AFAD-E4AD-4E97-B1EA-87BBD0AC8D56}" type="datetime1">
               <a:rPr lang="de-DE" smtClean="0"/>
-              <a:t>26.03.2021</a:t>
+              <a:t>15.04.2021</a:t>
             </a:fld>
             <a:endParaRPr lang="de-DE"/>
           </a:p>
@@ -1606,7 +1606,7 @@
           <a:p>
             <a:fld id="{C72815DC-791A-4D11-B3CD-FCF62A42CBE6}" type="datetime1">
               <a:rPr lang="de-DE" smtClean="0"/>
-              <a:t>26.03.2021</a:t>
+              <a:t>15.04.2021</a:t>
             </a:fld>
             <a:endParaRPr lang="de-DE"/>
           </a:p>
@@ -1970,7 +1970,7 @@
           <a:p>
             <a:fld id="{5220D391-5C67-4309-B312-8FB71190B27C}" type="datetime1">
               <a:rPr lang="de-DE" smtClean="0"/>
-              <a:t>26.03.2021</a:t>
+              <a:t>15.04.2021</a:t>
             </a:fld>
             <a:endParaRPr lang="de-DE"/>
           </a:p>
@@ -2087,7 +2087,7 @@
           <a:p>
             <a:fld id="{B3E5CE2C-48A7-4685-A1E4-D255C8254BFE}" type="datetime1">
               <a:rPr lang="de-DE" smtClean="0"/>
-              <a:t>26.03.2021</a:t>
+              <a:t>15.04.2021</a:t>
             </a:fld>
             <a:endParaRPr lang="de-DE"/>
           </a:p>
@@ -2182,7 +2182,7 @@
           <a:p>
             <a:fld id="{FBD70F3B-DD66-49B6-A44D-4EFD61920C1B}" type="datetime1">
               <a:rPr lang="de-DE" smtClean="0"/>
-              <a:t>26.03.2021</a:t>
+              <a:t>15.04.2021</a:t>
             </a:fld>
             <a:endParaRPr lang="de-DE"/>
           </a:p>
@@ -2457,7 +2457,7 @@
           <a:p>
             <a:fld id="{A325AE2D-AA61-410B-A56E-D68BA3266756}" type="datetime1">
               <a:rPr lang="de-DE" smtClean="0"/>
-              <a:t>26.03.2021</a:t>
+              <a:t>15.04.2021</a:t>
             </a:fld>
             <a:endParaRPr lang="de-DE"/>
           </a:p>
@@ -2709,7 +2709,7 @@
           <a:p>
             <a:fld id="{4D3A7F3B-9119-44A0-A5EE-7323CAE8669D}" type="datetime1">
               <a:rPr lang="de-DE" smtClean="0"/>
-              <a:t>26.03.2021</a:t>
+              <a:t>15.04.2021</a:t>
             </a:fld>
             <a:endParaRPr lang="de-DE"/>
           </a:p>
@@ -2937,7 +2937,7 @@
           <a:p>
             <a:fld id="{70CA9872-1109-47D4-9F94-968ED4164827}" type="datetime1">
               <a:rPr lang="de-DE" smtClean="0"/>
-              <a:t>26.03.2021</a:t>
+              <a:t>15.04.2021</a:t>
             </a:fld>
             <a:endParaRPr lang="de-DE"/>
           </a:p>
@@ -3852,6 +3852,281 @@
       </p:transition>
     </mc:Fallback>
   </mc:AlternateContent>
+  <p:timing>
+    <p:tnLst>
+      <p:par>
+        <p:cTn id="1" dur="indefinite" restart="never" nodeType="tmRoot">
+          <p:childTnLst>
+            <p:seq concurrent="1" nextAc="seek">
+              <p:cTn id="2" dur="indefinite" nodeType="mainSeq">
+                <p:childTnLst>
+                  <p:par>
+                    <p:cTn id="3" fill="hold">
+                      <p:stCondLst>
+                        <p:cond delay="indefinite"/>
+                      </p:stCondLst>
+                      <p:childTnLst>
+                        <p:par>
+                          <p:cTn id="4" fill="hold">
+                            <p:stCondLst>
+                              <p:cond delay="0"/>
+                            </p:stCondLst>
+                            <p:childTnLst>
+                              <p:par>
+                                <p:cTn id="5" presetID="1" presetClass="entr" presetSubtype="0" fill="hold" nodeType="clickEffect">
+                                  <p:stCondLst>
+                                    <p:cond delay="0"/>
+                                  </p:stCondLst>
+                                  <p:childTnLst>
+                                    <p:set>
+                                      <p:cBhvr>
+                                        <p:cTn id="6" dur="1" fill="hold">
+                                          <p:stCondLst>
+                                            <p:cond delay="0"/>
+                                          </p:stCondLst>
+                                        </p:cTn>
+                                        <p:tgtEl>
+                                          <p:spTgt spid="2">
+                                            <p:txEl>
+                                              <p:pRg st="1" end="1"/>
+                                            </p:txEl>
+                                          </p:spTgt>
+                                        </p:tgtEl>
+                                        <p:attrNameLst>
+                                          <p:attrName>style.visibility</p:attrName>
+                                        </p:attrNameLst>
+                                      </p:cBhvr>
+                                      <p:to>
+                                        <p:strVal val="visible"/>
+                                      </p:to>
+                                    </p:set>
+                                  </p:childTnLst>
+                                </p:cTn>
+                              </p:par>
+                            </p:childTnLst>
+                          </p:cTn>
+                        </p:par>
+                      </p:childTnLst>
+                    </p:cTn>
+                  </p:par>
+                  <p:par>
+                    <p:cTn id="7" fill="hold">
+                      <p:stCondLst>
+                        <p:cond delay="indefinite"/>
+                      </p:stCondLst>
+                      <p:childTnLst>
+                        <p:par>
+                          <p:cTn id="8" fill="hold">
+                            <p:stCondLst>
+                              <p:cond delay="0"/>
+                            </p:stCondLst>
+                            <p:childTnLst>
+                              <p:par>
+                                <p:cTn id="9" presetID="1" presetClass="entr" presetSubtype="0" fill="hold" nodeType="clickEffect">
+                                  <p:stCondLst>
+                                    <p:cond delay="0"/>
+                                  </p:stCondLst>
+                                  <p:childTnLst>
+                                    <p:set>
+                                      <p:cBhvr>
+                                        <p:cTn id="10" dur="1" fill="hold">
+                                          <p:stCondLst>
+                                            <p:cond delay="0"/>
+                                          </p:stCondLst>
+                                        </p:cTn>
+                                        <p:tgtEl>
+                                          <p:spTgt spid="2">
+                                            <p:txEl>
+                                              <p:pRg st="2" end="2"/>
+                                            </p:txEl>
+                                          </p:spTgt>
+                                        </p:tgtEl>
+                                        <p:attrNameLst>
+                                          <p:attrName>style.visibility</p:attrName>
+                                        </p:attrNameLst>
+                                      </p:cBhvr>
+                                      <p:to>
+                                        <p:strVal val="visible"/>
+                                      </p:to>
+                                    </p:set>
+                                  </p:childTnLst>
+                                </p:cTn>
+                              </p:par>
+                            </p:childTnLst>
+                          </p:cTn>
+                        </p:par>
+                      </p:childTnLst>
+                    </p:cTn>
+                  </p:par>
+                  <p:par>
+                    <p:cTn id="11" fill="hold">
+                      <p:stCondLst>
+                        <p:cond delay="indefinite"/>
+                      </p:stCondLst>
+                      <p:childTnLst>
+                        <p:par>
+                          <p:cTn id="12" fill="hold">
+                            <p:stCondLst>
+                              <p:cond delay="0"/>
+                            </p:stCondLst>
+                            <p:childTnLst>
+                              <p:par>
+                                <p:cTn id="13" presetID="1" presetClass="entr" presetSubtype="0" fill="hold" nodeType="clickEffect">
+                                  <p:stCondLst>
+                                    <p:cond delay="0"/>
+                                  </p:stCondLst>
+                                  <p:childTnLst>
+                                    <p:set>
+                                      <p:cBhvr>
+                                        <p:cTn id="14" dur="1" fill="hold">
+                                          <p:stCondLst>
+                                            <p:cond delay="0"/>
+                                          </p:stCondLst>
+                                        </p:cTn>
+                                        <p:tgtEl>
+                                          <p:spTgt spid="2">
+                                            <p:txEl>
+                                              <p:pRg st="3" end="3"/>
+                                            </p:txEl>
+                                          </p:spTgt>
+                                        </p:tgtEl>
+                                        <p:attrNameLst>
+                                          <p:attrName>style.visibility</p:attrName>
+                                        </p:attrNameLst>
+                                      </p:cBhvr>
+                                      <p:to>
+                                        <p:strVal val="visible"/>
+                                      </p:to>
+                                    </p:set>
+                                  </p:childTnLst>
+                                </p:cTn>
+                              </p:par>
+                            </p:childTnLst>
+                          </p:cTn>
+                        </p:par>
+                      </p:childTnLst>
+                    </p:cTn>
+                  </p:par>
+                  <p:par>
+                    <p:cTn id="15" fill="hold">
+                      <p:stCondLst>
+                        <p:cond delay="indefinite"/>
+                      </p:stCondLst>
+                      <p:childTnLst>
+                        <p:par>
+                          <p:cTn id="16" fill="hold">
+                            <p:stCondLst>
+                              <p:cond delay="0"/>
+                            </p:stCondLst>
+                            <p:childTnLst>
+                              <p:par>
+                                <p:cTn id="17" presetID="1" presetClass="entr" presetSubtype="0" fill="hold" nodeType="clickEffect">
+                                  <p:stCondLst>
+                                    <p:cond delay="0"/>
+                                  </p:stCondLst>
+                                  <p:childTnLst>
+                                    <p:set>
+                                      <p:cBhvr>
+                                        <p:cTn id="18" dur="1" fill="hold">
+                                          <p:stCondLst>
+                                            <p:cond delay="0"/>
+                                          </p:stCondLst>
+                                        </p:cTn>
+                                        <p:tgtEl>
+                                          <p:spTgt spid="2">
+                                            <p:txEl>
+                                              <p:pRg st="4" end="4"/>
+                                            </p:txEl>
+                                          </p:spTgt>
+                                        </p:tgtEl>
+                                        <p:attrNameLst>
+                                          <p:attrName>style.visibility</p:attrName>
+                                        </p:attrNameLst>
+                                      </p:cBhvr>
+                                      <p:to>
+                                        <p:strVal val="visible"/>
+                                      </p:to>
+                                    </p:set>
+                                  </p:childTnLst>
+                                </p:cTn>
+                              </p:par>
+                            </p:childTnLst>
+                          </p:cTn>
+                        </p:par>
+                      </p:childTnLst>
+                    </p:cTn>
+                  </p:par>
+                  <p:par>
+                    <p:cTn id="19" fill="hold">
+                      <p:stCondLst>
+                        <p:cond delay="indefinite"/>
+                      </p:stCondLst>
+                      <p:childTnLst>
+                        <p:par>
+                          <p:cTn id="20" fill="hold">
+                            <p:stCondLst>
+                              <p:cond delay="0"/>
+                            </p:stCondLst>
+                            <p:childTnLst>
+                              <p:par>
+                                <p:cTn id="21" presetID="1" presetClass="entr" presetSubtype="0" fill="hold" nodeType="clickEffect">
+                                  <p:stCondLst>
+                                    <p:cond delay="0"/>
+                                  </p:stCondLst>
+                                  <p:childTnLst>
+                                    <p:set>
+                                      <p:cBhvr>
+                                        <p:cTn id="22" dur="1" fill="hold">
+                                          <p:stCondLst>
+                                            <p:cond delay="0"/>
+                                          </p:stCondLst>
+                                        </p:cTn>
+                                        <p:tgtEl>
+                                          <p:spTgt spid="2">
+                                            <p:txEl>
+                                              <p:pRg st="5" end="5"/>
+                                            </p:txEl>
+                                          </p:spTgt>
+                                        </p:tgtEl>
+                                        <p:attrNameLst>
+                                          <p:attrName>style.visibility</p:attrName>
+                                        </p:attrNameLst>
+                                      </p:cBhvr>
+                                      <p:to>
+                                        <p:strVal val="visible"/>
+                                      </p:to>
+                                    </p:set>
+                                  </p:childTnLst>
+                                </p:cTn>
+                              </p:par>
+                            </p:childTnLst>
+                          </p:cTn>
+                        </p:par>
+                      </p:childTnLst>
+                    </p:cTn>
+                  </p:par>
+                </p:childTnLst>
+              </p:cTn>
+              <p:prevCondLst>
+                <p:cond evt="onPrev" delay="0">
+                  <p:tgtEl>
+                    <p:sldTgt/>
+                  </p:tgtEl>
+                </p:cond>
+              </p:prevCondLst>
+              <p:nextCondLst>
+                <p:cond evt="onNext" delay="0">
+                  <p:tgtEl>
+                    <p:sldTgt/>
+                  </p:tgtEl>
+                </p:cond>
+              </p:nextCondLst>
+            </p:seq>
+          </p:childTnLst>
+        </p:cTn>
+      </p:par>
+    </p:tnLst>
+  </p:timing>
 </p:sld>
 </file>
 
@@ -4880,6 +5155,183 @@
       </p:transition>
     </mc:Fallback>
   </mc:AlternateContent>
+  <p:timing>
+    <p:tnLst>
+      <p:par>
+        <p:cTn id="1" dur="indefinite" restart="never" nodeType="tmRoot">
+          <p:childTnLst>
+            <p:seq concurrent="1" nextAc="seek">
+              <p:cTn id="2" dur="indefinite" nodeType="mainSeq">
+                <p:childTnLst>
+                  <p:par>
+                    <p:cTn id="3" fill="hold">
+                      <p:stCondLst>
+                        <p:cond delay="indefinite"/>
+                      </p:stCondLst>
+                      <p:childTnLst>
+                        <p:par>
+                          <p:cTn id="4" fill="hold">
+                            <p:stCondLst>
+                              <p:cond delay="0"/>
+                            </p:stCondLst>
+                            <p:childTnLst>
+                              <p:par>
+                                <p:cTn id="5" presetID="1" presetClass="entr" presetSubtype="0" fill="hold" nodeType="clickEffect">
+                                  <p:stCondLst>
+                                    <p:cond delay="0"/>
+                                  </p:stCondLst>
+                                  <p:childTnLst>
+                                    <p:set>
+                                      <p:cBhvr>
+                                        <p:cTn id="6" dur="1" fill="hold">
+                                          <p:stCondLst>
+                                            <p:cond delay="0"/>
+                                          </p:stCondLst>
+                                        </p:cTn>
+                                        <p:tgtEl>
+                                          <p:spTgt spid="2">
+                                            <p:txEl>
+                                              <p:pRg st="0" end="0"/>
+                                            </p:txEl>
+                                          </p:spTgt>
+                                        </p:tgtEl>
+                                        <p:attrNameLst>
+                                          <p:attrName>style.visibility</p:attrName>
+                                        </p:attrNameLst>
+                                      </p:cBhvr>
+                                      <p:to>
+                                        <p:strVal val="visible"/>
+                                      </p:to>
+                                    </p:set>
+                                  </p:childTnLst>
+                                </p:cTn>
+                              </p:par>
+                            </p:childTnLst>
+                          </p:cTn>
+                        </p:par>
+                      </p:childTnLst>
+                    </p:cTn>
+                  </p:par>
+                  <p:par>
+                    <p:cTn id="7" fill="hold">
+                      <p:stCondLst>
+                        <p:cond delay="indefinite"/>
+                      </p:stCondLst>
+                      <p:childTnLst>
+                        <p:par>
+                          <p:cTn id="8" fill="hold">
+                            <p:stCondLst>
+                              <p:cond delay="0"/>
+                            </p:stCondLst>
+                            <p:childTnLst>
+                              <p:par>
+                                <p:cTn id="9" presetID="1" presetClass="entr" presetSubtype="0" fill="hold" nodeType="clickEffect">
+                                  <p:stCondLst>
+                                    <p:cond delay="0"/>
+                                  </p:stCondLst>
+                                  <p:childTnLst>
+                                    <p:set>
+                                      <p:cBhvr>
+                                        <p:cTn id="10" dur="1" fill="hold">
+                                          <p:stCondLst>
+                                            <p:cond delay="0"/>
+                                          </p:stCondLst>
+                                        </p:cTn>
+                                        <p:tgtEl>
+                                          <p:spTgt spid="2">
+                                            <p:txEl>
+                                              <p:pRg st="1" end="1"/>
+                                            </p:txEl>
+                                          </p:spTgt>
+                                        </p:tgtEl>
+                                        <p:attrNameLst>
+                                          <p:attrName>style.visibility</p:attrName>
+                                        </p:attrNameLst>
+                                      </p:cBhvr>
+                                      <p:to>
+                                        <p:strVal val="visible"/>
+                                      </p:to>
+                                    </p:set>
+                                  </p:childTnLst>
+                                </p:cTn>
+                              </p:par>
+                            </p:childTnLst>
+                          </p:cTn>
+                        </p:par>
+                      </p:childTnLst>
+                    </p:cTn>
+                  </p:par>
+                  <p:par>
+                    <p:cTn id="11" fill="hold">
+                      <p:stCondLst>
+                        <p:cond delay="indefinite"/>
+                      </p:stCondLst>
+                      <p:childTnLst>
+                        <p:par>
+                          <p:cTn id="12" fill="hold">
+                            <p:stCondLst>
+                              <p:cond delay="0"/>
+                            </p:stCondLst>
+                            <p:childTnLst>
+                              <p:par>
+                                <p:cTn id="13" presetID="1" presetClass="entr" presetSubtype="0" fill="hold" nodeType="clickEffect">
+                                  <p:stCondLst>
+                                    <p:cond delay="0"/>
+                                  </p:stCondLst>
+                                  <p:childTnLst>
+                                    <p:set>
+                                      <p:cBhvr>
+                                        <p:cTn id="14" dur="1" fill="hold">
+                                          <p:stCondLst>
+                                            <p:cond delay="0"/>
+                                          </p:stCondLst>
+                                        </p:cTn>
+                                        <p:tgtEl>
+                                          <p:spTgt spid="2">
+                                            <p:txEl>
+                                              <p:pRg st="2" end="2"/>
+                                            </p:txEl>
+                                          </p:spTgt>
+                                        </p:tgtEl>
+                                        <p:attrNameLst>
+                                          <p:attrName>style.visibility</p:attrName>
+                                        </p:attrNameLst>
+                                      </p:cBhvr>
+                                      <p:to>
+                                        <p:strVal val="visible"/>
+                                      </p:to>
+                                    </p:set>
+                                  </p:childTnLst>
+                                </p:cTn>
+                              </p:par>
+                            </p:childTnLst>
+                          </p:cTn>
+                        </p:par>
+                      </p:childTnLst>
+                    </p:cTn>
+                  </p:par>
+                </p:childTnLst>
+              </p:cTn>
+              <p:prevCondLst>
+                <p:cond evt="onPrev" delay="0">
+                  <p:tgtEl>
+                    <p:sldTgt/>
+                  </p:tgtEl>
+                </p:cond>
+              </p:prevCondLst>
+              <p:nextCondLst>
+                <p:cond evt="onNext" delay="0">
+                  <p:tgtEl>
+                    <p:sldTgt/>
+                  </p:tgtEl>
+                </p:cond>
+              </p:nextCondLst>
+            </p:seq>
+          </p:childTnLst>
+        </p:cTn>
+      </p:par>
+    </p:tnLst>
+  </p:timing>
 </p:sld>
 </file>
 
@@ -5108,6 +5560,183 @@
       </p:transition>
     </mc:Fallback>
   </mc:AlternateContent>
+  <p:timing>
+    <p:tnLst>
+      <p:par>
+        <p:cTn id="1" dur="indefinite" restart="never" nodeType="tmRoot">
+          <p:childTnLst>
+            <p:seq concurrent="1" nextAc="seek">
+              <p:cTn id="2" dur="indefinite" nodeType="mainSeq">
+                <p:childTnLst>
+                  <p:par>
+                    <p:cTn id="3" fill="hold">
+                      <p:stCondLst>
+                        <p:cond delay="indefinite"/>
+                      </p:stCondLst>
+                      <p:childTnLst>
+                        <p:par>
+                          <p:cTn id="4" fill="hold">
+                            <p:stCondLst>
+                              <p:cond delay="0"/>
+                            </p:stCondLst>
+                            <p:childTnLst>
+                              <p:par>
+                                <p:cTn id="5" presetID="1" presetClass="entr" presetSubtype="0" fill="hold" nodeType="clickEffect">
+                                  <p:stCondLst>
+                                    <p:cond delay="0"/>
+                                  </p:stCondLst>
+                                  <p:childTnLst>
+                                    <p:set>
+                                      <p:cBhvr>
+                                        <p:cTn id="6" dur="1" fill="hold">
+                                          <p:stCondLst>
+                                            <p:cond delay="0"/>
+                                          </p:stCondLst>
+                                        </p:cTn>
+                                        <p:tgtEl>
+                                          <p:spTgt spid="2">
+                                            <p:txEl>
+                                              <p:pRg st="0" end="0"/>
+                                            </p:txEl>
+                                          </p:spTgt>
+                                        </p:tgtEl>
+                                        <p:attrNameLst>
+                                          <p:attrName>style.visibility</p:attrName>
+                                        </p:attrNameLst>
+                                      </p:cBhvr>
+                                      <p:to>
+                                        <p:strVal val="visible"/>
+                                      </p:to>
+                                    </p:set>
+                                  </p:childTnLst>
+                                </p:cTn>
+                              </p:par>
+                            </p:childTnLst>
+                          </p:cTn>
+                        </p:par>
+                      </p:childTnLst>
+                    </p:cTn>
+                  </p:par>
+                  <p:par>
+                    <p:cTn id="7" fill="hold">
+                      <p:stCondLst>
+                        <p:cond delay="indefinite"/>
+                      </p:stCondLst>
+                      <p:childTnLst>
+                        <p:par>
+                          <p:cTn id="8" fill="hold">
+                            <p:stCondLst>
+                              <p:cond delay="0"/>
+                            </p:stCondLst>
+                            <p:childTnLst>
+                              <p:par>
+                                <p:cTn id="9" presetID="1" presetClass="entr" presetSubtype="0" fill="hold" nodeType="clickEffect">
+                                  <p:stCondLst>
+                                    <p:cond delay="0"/>
+                                  </p:stCondLst>
+                                  <p:childTnLst>
+                                    <p:set>
+                                      <p:cBhvr>
+                                        <p:cTn id="10" dur="1" fill="hold">
+                                          <p:stCondLst>
+                                            <p:cond delay="0"/>
+                                          </p:stCondLst>
+                                        </p:cTn>
+                                        <p:tgtEl>
+                                          <p:spTgt spid="2">
+                                            <p:txEl>
+                                              <p:pRg st="1" end="1"/>
+                                            </p:txEl>
+                                          </p:spTgt>
+                                        </p:tgtEl>
+                                        <p:attrNameLst>
+                                          <p:attrName>style.visibility</p:attrName>
+                                        </p:attrNameLst>
+                                      </p:cBhvr>
+                                      <p:to>
+                                        <p:strVal val="visible"/>
+                                      </p:to>
+                                    </p:set>
+                                  </p:childTnLst>
+                                </p:cTn>
+                              </p:par>
+                            </p:childTnLst>
+                          </p:cTn>
+                        </p:par>
+                      </p:childTnLst>
+                    </p:cTn>
+                  </p:par>
+                  <p:par>
+                    <p:cTn id="11" fill="hold">
+                      <p:stCondLst>
+                        <p:cond delay="indefinite"/>
+                      </p:stCondLst>
+                      <p:childTnLst>
+                        <p:par>
+                          <p:cTn id="12" fill="hold">
+                            <p:stCondLst>
+                              <p:cond delay="0"/>
+                            </p:stCondLst>
+                            <p:childTnLst>
+                              <p:par>
+                                <p:cTn id="13" presetID="1" presetClass="entr" presetSubtype="0" fill="hold" nodeType="clickEffect">
+                                  <p:stCondLst>
+                                    <p:cond delay="0"/>
+                                  </p:stCondLst>
+                                  <p:childTnLst>
+                                    <p:set>
+                                      <p:cBhvr>
+                                        <p:cTn id="14" dur="1" fill="hold">
+                                          <p:stCondLst>
+                                            <p:cond delay="0"/>
+                                          </p:stCondLst>
+                                        </p:cTn>
+                                        <p:tgtEl>
+                                          <p:spTgt spid="2">
+                                            <p:txEl>
+                                              <p:pRg st="2" end="2"/>
+                                            </p:txEl>
+                                          </p:spTgt>
+                                        </p:tgtEl>
+                                        <p:attrNameLst>
+                                          <p:attrName>style.visibility</p:attrName>
+                                        </p:attrNameLst>
+                                      </p:cBhvr>
+                                      <p:to>
+                                        <p:strVal val="visible"/>
+                                      </p:to>
+                                    </p:set>
+                                  </p:childTnLst>
+                                </p:cTn>
+                              </p:par>
+                            </p:childTnLst>
+                          </p:cTn>
+                        </p:par>
+                      </p:childTnLst>
+                    </p:cTn>
+                  </p:par>
+                </p:childTnLst>
+              </p:cTn>
+              <p:prevCondLst>
+                <p:cond evt="onPrev" delay="0">
+                  <p:tgtEl>
+                    <p:sldTgt/>
+                  </p:tgtEl>
+                </p:cond>
+              </p:prevCondLst>
+              <p:nextCondLst>
+                <p:cond evt="onNext" delay="0">
+                  <p:tgtEl>
+                    <p:sldTgt/>
+                  </p:tgtEl>
+                </p:cond>
+              </p:nextCondLst>
+            </p:seq>
+          </p:childTnLst>
+        </p:cTn>
+      </p:par>
+    </p:tnLst>
+  </p:timing>
 </p:sld>
 </file>
 
@@ -6238,13 +6867,13 @@
   <p:clrMapOvr>
     <a:masterClrMapping/>
   </p:clrMapOvr>
-  <mc:AlternateContent xmlns:mc="http://schemas.openxmlformats.org/markup-compatibility/2006">
-    <mc:Choice xmlns:p14="http://schemas.microsoft.com/office/powerpoint/2010/main" Requires="p14">
+  <mc:AlternateContent xmlns:mc="http://schemas.openxmlformats.org/markup-compatibility/2006" xmlns:p14="http://schemas.microsoft.com/office/powerpoint/2010/main">
+    <mc:Choice Requires="p14">
       <p:transition spd="med" p14:dur="700">
         <p:fade/>
       </p:transition>
     </mc:Choice>
-    <mc:Fallback>
+    <mc:Fallback xmlns="">
       <p:transition spd="med">
         <p:fade/>
       </p:transition>
@@ -6368,13 +6997,13 @@
   <p:clrMapOvr>
     <a:masterClrMapping/>
   </p:clrMapOvr>
-  <mc:AlternateContent xmlns:mc="http://schemas.openxmlformats.org/markup-compatibility/2006">
-    <mc:Choice xmlns:p14="http://schemas.microsoft.com/office/powerpoint/2010/main" Requires="p14">
+  <mc:AlternateContent xmlns:mc="http://schemas.openxmlformats.org/markup-compatibility/2006" xmlns:p14="http://schemas.microsoft.com/office/powerpoint/2010/main">
+    <mc:Choice Requires="p14">
       <p:transition spd="med" p14:dur="700">
         <p:fade/>
       </p:transition>
     </mc:Choice>
-    <mc:Fallback>
+    <mc:Fallback xmlns="">
       <p:transition spd="med">
         <p:fade/>
       </p:transition>
@@ -6777,6 +7406,16 @@
               <a:buChar char="•"/>
             </a:pPr>
             <a:r>
+              <a:rPr lang="de-DE" sz="4800" dirty="0">
+                <a:solidFill>
+                  <a:schemeClr val="bg1"/>
+                </a:solidFill>
+                <a:latin typeface="Calibri Light" panose="020F0302020204030204" pitchFamily="34" charset="0"/>
+                <a:cs typeface="Calibri Light" panose="020F0302020204030204" pitchFamily="34" charset="0"/>
+              </a:rPr>
+              <a:t>Datenbank </a:t>
+            </a:r>
+            <a:r>
               <a:rPr lang="de-DE" sz="4800" dirty="0" err="1">
                 <a:solidFill>
                   <a:schemeClr val="bg1"/>
@@ -6784,8 +7423,21 @@
                 <a:latin typeface="Calibri Light" panose="020F0302020204030204" pitchFamily="34" charset="0"/>
                 <a:cs typeface="Calibri Light" panose="020F0302020204030204" pitchFamily="34" charset="0"/>
               </a:rPr>
-              <a:t>DataGrip</a:t>
-            </a:r>
+              <a:t>Workbench</a:t>
+            </a:r>
+            <a:endParaRPr lang="de-DE" sz="4800" dirty="0">
+              <a:solidFill>
+                <a:schemeClr val="bg1"/>
+              </a:solidFill>
+              <a:latin typeface="Calibri Light" panose="020F0302020204030204" pitchFamily="34" charset="0"/>
+              <a:cs typeface="Calibri Light" panose="020F0302020204030204" pitchFamily="34" charset="0"/>
+            </a:endParaRPr>
+          </a:p>
+          <a:p>
+            <a:pPr marL="685800" indent="-685800">
+              <a:buFont typeface="Arial"/>
+              <a:buChar char="•"/>
+            </a:pPr>
             <a:r>
               <a:rPr lang="de-DE" sz="4800" dirty="0">
                 <a:solidFill>
@@ -6794,30 +7446,7 @@
                 <a:latin typeface="Calibri Light" panose="020F0302020204030204" pitchFamily="34" charset="0"/>
                 <a:cs typeface="Calibri Light" panose="020F0302020204030204" pitchFamily="34" charset="0"/>
               </a:rPr>
-              <a:t> (Datenbank-Verwaltung)</a:t>
-            </a:r>
-            <a:endParaRPr lang="de-DE" sz="4800" dirty="0" err="1">
-              <a:solidFill>
-                <a:schemeClr val="bg1"/>
-              </a:solidFill>
-              <a:latin typeface="Calibri Light" panose="020F0302020204030204" pitchFamily="34" charset="0"/>
-              <a:cs typeface="Calibri Light" panose="020F0302020204030204" pitchFamily="34" charset="0"/>
-            </a:endParaRPr>
-          </a:p>
-          <a:p>
-            <a:pPr marL="685800" indent="-685800">
-              <a:buFont typeface="Arial"/>
-              <a:buChar char="•"/>
-            </a:pPr>
-            <a:r>
-              <a:rPr lang="de-DE" sz="4800" dirty="0">
-                <a:solidFill>
-                  <a:schemeClr val="bg1"/>
-                </a:solidFill>
-                <a:latin typeface="Calibri Light" panose="020F0302020204030204" pitchFamily="34" charset="0"/>
-                <a:cs typeface="Calibri Light" panose="020F0302020204030204" pitchFamily="34" charset="0"/>
-              </a:rPr>
-              <a:t>XAMPP </a:t>
+              <a:t>XAMPP</a:t>
             </a:r>
           </a:p>
           <a:p>
@@ -6860,6 +7489,232 @@
       </p:transition>
     </mc:Fallback>
   </mc:AlternateContent>
+  <p:timing>
+    <p:tnLst>
+      <p:par>
+        <p:cTn id="1" dur="indefinite" restart="never" nodeType="tmRoot">
+          <p:childTnLst>
+            <p:seq concurrent="1" nextAc="seek">
+              <p:cTn id="2" dur="indefinite" nodeType="mainSeq">
+                <p:childTnLst>
+                  <p:par>
+                    <p:cTn id="3" fill="hold">
+                      <p:stCondLst>
+                        <p:cond delay="indefinite"/>
+                      </p:stCondLst>
+                      <p:childTnLst>
+                        <p:par>
+                          <p:cTn id="4" fill="hold">
+                            <p:stCondLst>
+                              <p:cond delay="0"/>
+                            </p:stCondLst>
+                            <p:childTnLst>
+                              <p:par>
+                                <p:cTn id="5" presetID="1" presetClass="entr" presetSubtype="0" fill="hold" nodeType="clickEffect">
+                                  <p:stCondLst>
+                                    <p:cond delay="0"/>
+                                  </p:stCondLst>
+                                  <p:childTnLst>
+                                    <p:set>
+                                      <p:cBhvr>
+                                        <p:cTn id="6" dur="1" fill="hold">
+                                          <p:stCondLst>
+                                            <p:cond delay="0"/>
+                                          </p:stCondLst>
+                                        </p:cTn>
+                                        <p:tgtEl>
+                                          <p:spTgt spid="2">
+                                            <p:txEl>
+                                              <p:pRg st="1" end="1"/>
+                                            </p:txEl>
+                                          </p:spTgt>
+                                        </p:tgtEl>
+                                        <p:attrNameLst>
+                                          <p:attrName>style.visibility</p:attrName>
+                                        </p:attrNameLst>
+                                      </p:cBhvr>
+                                      <p:to>
+                                        <p:strVal val="visible"/>
+                                      </p:to>
+                                    </p:set>
+                                  </p:childTnLst>
+                                </p:cTn>
+                              </p:par>
+                            </p:childTnLst>
+                          </p:cTn>
+                        </p:par>
+                      </p:childTnLst>
+                    </p:cTn>
+                  </p:par>
+                  <p:par>
+                    <p:cTn id="7" fill="hold">
+                      <p:stCondLst>
+                        <p:cond delay="indefinite"/>
+                      </p:stCondLst>
+                      <p:childTnLst>
+                        <p:par>
+                          <p:cTn id="8" fill="hold">
+                            <p:stCondLst>
+                              <p:cond delay="0"/>
+                            </p:stCondLst>
+                            <p:childTnLst>
+                              <p:par>
+                                <p:cTn id="9" presetID="1" presetClass="entr" presetSubtype="0" fill="hold" nodeType="clickEffect">
+                                  <p:stCondLst>
+                                    <p:cond delay="0"/>
+                                  </p:stCondLst>
+                                  <p:childTnLst>
+                                    <p:set>
+                                      <p:cBhvr>
+                                        <p:cTn id="10" dur="1" fill="hold">
+                                          <p:stCondLst>
+                                            <p:cond delay="0"/>
+                                          </p:stCondLst>
+                                        </p:cTn>
+                                        <p:tgtEl>
+                                          <p:spTgt spid="2">
+                                            <p:txEl>
+                                              <p:pRg st="2" end="2"/>
+                                            </p:txEl>
+                                          </p:spTgt>
+                                        </p:tgtEl>
+                                        <p:attrNameLst>
+                                          <p:attrName>style.visibility</p:attrName>
+                                        </p:attrNameLst>
+                                      </p:cBhvr>
+                                      <p:to>
+                                        <p:strVal val="visible"/>
+                                      </p:to>
+                                    </p:set>
+                                  </p:childTnLst>
+                                </p:cTn>
+                              </p:par>
+                            </p:childTnLst>
+                          </p:cTn>
+                        </p:par>
+                      </p:childTnLst>
+                    </p:cTn>
+                  </p:par>
+                  <p:par>
+                    <p:cTn id="11" fill="hold">
+                      <p:stCondLst>
+                        <p:cond delay="indefinite"/>
+                      </p:stCondLst>
+                      <p:childTnLst>
+                        <p:par>
+                          <p:cTn id="12" fill="hold">
+                            <p:stCondLst>
+                              <p:cond delay="0"/>
+                            </p:stCondLst>
+                            <p:childTnLst>
+                              <p:par>
+                                <p:cTn id="13" presetID="1" presetClass="entr" presetSubtype="0" fill="hold" nodeType="clickEffect">
+                                  <p:stCondLst>
+                                    <p:cond delay="0"/>
+                                  </p:stCondLst>
+                                  <p:childTnLst>
+                                    <p:set>
+                                      <p:cBhvr>
+                                        <p:cTn id="14" dur="1" fill="hold">
+                                          <p:stCondLst>
+                                            <p:cond delay="0"/>
+                                          </p:stCondLst>
+                                        </p:cTn>
+                                        <p:tgtEl>
+                                          <p:spTgt spid="2">
+                                            <p:txEl>
+                                              <p:pRg st="3" end="3"/>
+                                            </p:txEl>
+                                          </p:spTgt>
+                                        </p:tgtEl>
+                                        <p:attrNameLst>
+                                          <p:attrName>style.visibility</p:attrName>
+                                        </p:attrNameLst>
+                                      </p:cBhvr>
+                                      <p:to>
+                                        <p:strVal val="visible"/>
+                                      </p:to>
+                                    </p:set>
+                                  </p:childTnLst>
+                                </p:cTn>
+                              </p:par>
+                            </p:childTnLst>
+                          </p:cTn>
+                        </p:par>
+                      </p:childTnLst>
+                    </p:cTn>
+                  </p:par>
+                  <p:par>
+                    <p:cTn id="15" fill="hold">
+                      <p:stCondLst>
+                        <p:cond delay="indefinite"/>
+                      </p:stCondLst>
+                      <p:childTnLst>
+                        <p:par>
+                          <p:cTn id="16" fill="hold">
+                            <p:stCondLst>
+                              <p:cond delay="0"/>
+                            </p:stCondLst>
+                            <p:childTnLst>
+                              <p:par>
+                                <p:cTn id="17" presetID="1" presetClass="entr" presetSubtype="0" fill="hold" nodeType="clickEffect">
+                                  <p:stCondLst>
+                                    <p:cond delay="0"/>
+                                  </p:stCondLst>
+                                  <p:childTnLst>
+                                    <p:set>
+                                      <p:cBhvr>
+                                        <p:cTn id="18" dur="1" fill="hold">
+                                          <p:stCondLst>
+                                            <p:cond delay="0"/>
+                                          </p:stCondLst>
+                                        </p:cTn>
+                                        <p:tgtEl>
+                                          <p:spTgt spid="2">
+                                            <p:txEl>
+                                              <p:pRg st="4" end="4"/>
+                                            </p:txEl>
+                                          </p:spTgt>
+                                        </p:tgtEl>
+                                        <p:attrNameLst>
+                                          <p:attrName>style.visibility</p:attrName>
+                                        </p:attrNameLst>
+                                      </p:cBhvr>
+                                      <p:to>
+                                        <p:strVal val="visible"/>
+                                      </p:to>
+                                    </p:set>
+                                  </p:childTnLst>
+                                </p:cTn>
+                              </p:par>
+                            </p:childTnLst>
+                          </p:cTn>
+                        </p:par>
+                      </p:childTnLst>
+                    </p:cTn>
+                  </p:par>
+                </p:childTnLst>
+              </p:cTn>
+              <p:prevCondLst>
+                <p:cond evt="onPrev" delay="0">
+                  <p:tgtEl>
+                    <p:sldTgt/>
+                  </p:tgtEl>
+                </p:cond>
+              </p:prevCondLst>
+              <p:nextCondLst>
+                <p:cond evt="onNext" delay="0">
+                  <p:tgtEl>
+                    <p:sldTgt/>
+                  </p:tgtEl>
+                </p:cond>
+              </p:nextCondLst>
+            </p:seq>
+          </p:childTnLst>
+        </p:cTn>
+      </p:par>
+    </p:tnLst>
+  </p:timing>
 </p:sld>
 </file>
 
